--- a/软件需求规格说明书/软件需求规格说明书项目评审.pptx
+++ b/软件需求规格说明书/软件需求规格说明书项目评审.pptx
@@ -5,7 +5,7 @@
     <p:sldMasterId id="2147483648" r:id="rId1"/>
   </p:sldMasterIdLst>
   <p:notesMasterIdLst>
-    <p:notesMasterId r:id="rId28"/>
+    <p:notesMasterId r:id="rId29"/>
   </p:notesMasterIdLst>
   <p:sldIdLst>
     <p:sldId id="257" r:id="rId2"/>
@@ -25,15 +25,16 @@
     <p:sldId id="358" r:id="rId16"/>
     <p:sldId id="359" r:id="rId17"/>
     <p:sldId id="363" r:id="rId18"/>
-    <p:sldId id="365" r:id="rId19"/>
-    <p:sldId id="479" r:id="rId20"/>
-    <p:sldId id="480" r:id="rId21"/>
-    <p:sldId id="261" r:id="rId22"/>
-    <p:sldId id="469" r:id="rId23"/>
-    <p:sldId id="262" r:id="rId24"/>
-    <p:sldId id="481" r:id="rId25"/>
-    <p:sldId id="366" r:id="rId26"/>
-    <p:sldId id="291" r:id="rId27"/>
+    <p:sldId id="482" r:id="rId19"/>
+    <p:sldId id="365" r:id="rId20"/>
+    <p:sldId id="479" r:id="rId21"/>
+    <p:sldId id="480" r:id="rId22"/>
+    <p:sldId id="261" r:id="rId23"/>
+    <p:sldId id="469" r:id="rId24"/>
+    <p:sldId id="262" r:id="rId25"/>
+    <p:sldId id="481" r:id="rId26"/>
+    <p:sldId id="366" r:id="rId27"/>
+    <p:sldId id="291" r:id="rId28"/>
   </p:sldIdLst>
   <p:sldSz cx="12192000" cy="6858000"/>
   <p:notesSz cx="6858000" cy="9144000"/>
@@ -551,7 +552,7 @@
           <a:p>
             <a:fld id="{E9EBAD72-D166-4932-9339-2E755BE5A4DB}" type="datetimeFigureOut">
               <a:rPr lang="zh-CN" altLang="en-US" smtClean="0"/>
-              <a:t>2023/5/19</a:t>
+              <a:t>2023/5/26</a:t>
             </a:fld>
             <a:endParaRPr lang="zh-CN" altLang="en-US"/>
           </a:p>
@@ -1638,7 +1639,7 @@
     </p:spTree>
     <p:extLst>
       <p:ext uri="{BB962C8B-B14F-4D97-AF65-F5344CB8AC3E}">
-        <p14:creationId xmlns:p14="http://schemas.microsoft.com/office/powerpoint/2010/main" val="3180705197"/>
+        <p14:creationId xmlns:p14="http://schemas.microsoft.com/office/powerpoint/2010/main" val="1767588987"/>
       </p:ext>
     </p:extLst>
   </p:cSld>
@@ -1665,10 +1666,64 @@
           <a:chExt cx="0" cy="0"/>
         </a:xfrm>
       </p:grpSpPr>
+      <p:sp>
+        <p:nvSpPr>
+          <p:cNvPr id="2" name="幻灯片图像占位符 1"/>
+          <p:cNvSpPr>
+            <a:spLocks noGrp="1" noRot="1" noChangeAspect="1"/>
+          </p:cNvSpPr>
+          <p:nvPr>
+            <p:ph type="sldImg"/>
+          </p:nvPr>
+        </p:nvSpPr>
+        <p:spPr/>
+      </p:sp>
+      <p:sp>
+        <p:nvSpPr>
+          <p:cNvPr id="3" name="备注占位符 2"/>
+          <p:cNvSpPr>
+            <a:spLocks noGrp="1"/>
+          </p:cNvSpPr>
+          <p:nvPr>
+            <p:ph type="body" idx="1"/>
+          </p:nvPr>
+        </p:nvSpPr>
+        <p:spPr/>
+        <p:txBody>
+          <a:bodyPr/>
+          <a:lstStyle/>
+          <a:p>
+            <a:endParaRPr lang="zh-CN" altLang="en-US"/>
+          </a:p>
+        </p:txBody>
+      </p:sp>
+      <p:sp>
+        <p:nvSpPr>
+          <p:cNvPr id="4" name="灯片编号占位符 3"/>
+          <p:cNvSpPr>
+            <a:spLocks noGrp="1"/>
+          </p:cNvSpPr>
+          <p:nvPr>
+            <p:ph type="sldNum" sz="quarter" idx="10"/>
+          </p:nvPr>
+        </p:nvSpPr>
+        <p:spPr/>
+        <p:txBody>
+          <a:bodyPr/>
+          <a:lstStyle/>
+          <a:p>
+            <a:fld id="{7392B679-AE23-4750-8FB0-6513430B8953}" type="slidenum">
+              <a:rPr lang="zh-CN" altLang="en-US" smtClean="0"/>
+              <a:t>19</a:t>
+            </a:fld>
+            <a:endParaRPr lang="zh-CN" altLang="en-US"/>
+          </a:p>
+        </p:txBody>
+      </p:sp>
     </p:spTree>
     <p:extLst>
       <p:ext uri="{BB962C8B-B14F-4D97-AF65-F5344CB8AC3E}">
-        <p14:creationId xmlns:p14="http://schemas.microsoft.com/office/powerpoint/2010/main" val="1752554682"/>
+        <p14:creationId xmlns:p14="http://schemas.microsoft.com/office/powerpoint/2010/main" val="3180705197"/>
       </p:ext>
     </p:extLst>
   </p:cSld>
@@ -1777,7 +1832,7 @@
     </p:spTree>
     <p:extLst>
       <p:ext uri="{BB962C8B-B14F-4D97-AF65-F5344CB8AC3E}">
-        <p14:creationId xmlns:p14="http://schemas.microsoft.com/office/powerpoint/2010/main" val="1584421800"/>
+        <p14:creationId xmlns:p14="http://schemas.microsoft.com/office/powerpoint/2010/main" val="1752554682"/>
       </p:ext>
     </p:extLst>
   </p:cSld>
@@ -1804,61 +1859,12 @@
           <a:chExt cx="0" cy="0"/>
         </a:xfrm>
       </p:grpSpPr>
-      <p:sp>
-        <p:nvSpPr>
-          <p:cNvPr id="2" name="幻灯片图像占位符 1"/>
-          <p:cNvSpPr>
-            <a:spLocks noGrp="1" noRot="1" noChangeAspect="1"/>
-          </p:cNvSpPr>
-          <p:nvPr>
-            <p:ph type="sldImg"/>
-          </p:nvPr>
-        </p:nvSpPr>
-        <p:spPr/>
-      </p:sp>
-      <p:sp>
-        <p:nvSpPr>
-          <p:cNvPr id="3" name="备注占位符 2"/>
-          <p:cNvSpPr>
-            <a:spLocks noGrp="1"/>
-          </p:cNvSpPr>
-          <p:nvPr>
-            <p:ph type="body" idx="1"/>
-          </p:nvPr>
-        </p:nvSpPr>
-        <p:spPr/>
-        <p:txBody>
-          <a:bodyPr/>
-          <a:lstStyle/>
-          <a:p>
-            <a:endParaRPr lang="zh-CN" altLang="en-US"/>
-          </a:p>
-        </p:txBody>
-      </p:sp>
-      <p:sp>
-        <p:nvSpPr>
-          <p:cNvPr id="4" name="灯片编号占位符 3"/>
-          <p:cNvSpPr>
-            <a:spLocks noGrp="1"/>
-          </p:cNvSpPr>
-          <p:nvPr>
-            <p:ph type="sldNum" sz="quarter" idx="10"/>
-          </p:nvPr>
-        </p:nvSpPr>
-        <p:spPr/>
-        <p:txBody>
-          <a:bodyPr/>
-          <a:lstStyle/>
-          <a:p>
-            <a:fld id="{FC721462-D095-4E59-A8AC-4FBA96965AB6}" type="slidenum">
-              <a:rPr lang="zh-CN" altLang="en-US" smtClean="0"/>
-              <a:t>21</a:t>
-            </a:fld>
-            <a:endParaRPr lang="zh-CN" altLang="en-US"/>
-          </a:p>
-        </p:txBody>
-      </p:sp>
     </p:spTree>
+    <p:extLst>
+      <p:ext uri="{BB962C8B-B14F-4D97-AF65-F5344CB8AC3E}">
+        <p14:creationId xmlns:p14="http://schemas.microsoft.com/office/powerpoint/2010/main" val="1584421800"/>
+      </p:ext>
+    </p:extLst>
   </p:cSld>
   <p:clrMapOvr>
     <a:masterClrMapping/>
@@ -1929,7 +1935,7 @@
           <a:bodyPr/>
           <a:lstStyle/>
           <a:p>
-            <a:fld id="{7392B679-AE23-4750-8FB0-6513430B8953}" type="slidenum">
+            <a:fld id="{FC721462-D095-4E59-A8AC-4FBA96965AB6}" type="slidenum">
               <a:rPr lang="zh-CN" altLang="en-US" smtClean="0"/>
               <a:t>22</a:t>
             </a:fld>
@@ -1938,11 +1944,6 @@
         </p:txBody>
       </p:sp>
     </p:spTree>
-    <p:extLst>
-      <p:ext uri="{BB962C8B-B14F-4D97-AF65-F5344CB8AC3E}">
-        <p14:creationId xmlns:p14="http://schemas.microsoft.com/office/powerpoint/2010/main" val="3079391287"/>
-      </p:ext>
-    </p:extLst>
   </p:cSld>
   <p:clrMapOvr>
     <a:masterClrMapping/>
@@ -2013,7 +2014,7 @@
           <a:bodyPr/>
           <a:lstStyle/>
           <a:p>
-            <a:fld id="{FC721462-D095-4E59-A8AC-4FBA96965AB6}" type="slidenum">
+            <a:fld id="{7392B679-AE23-4750-8FB0-6513430B8953}" type="slidenum">
               <a:rPr lang="zh-CN" altLang="en-US" smtClean="0"/>
               <a:t>23</a:t>
             </a:fld>
@@ -2022,6 +2023,11 @@
         </p:txBody>
       </p:sp>
     </p:spTree>
+    <p:extLst>
+      <p:ext uri="{BB962C8B-B14F-4D97-AF65-F5344CB8AC3E}">
+        <p14:creationId xmlns:p14="http://schemas.microsoft.com/office/powerpoint/2010/main" val="3079391287"/>
+      </p:ext>
+    </p:extLst>
   </p:cSld>
   <p:clrMapOvr>
     <a:masterClrMapping/>
@@ -2092,7 +2098,7 @@
           <a:bodyPr/>
           <a:lstStyle/>
           <a:p>
-            <a:fld id="{7392B679-AE23-4750-8FB0-6513430B8953}" type="slidenum">
+            <a:fld id="{FC721462-D095-4E59-A8AC-4FBA96965AB6}" type="slidenum">
               <a:rPr lang="zh-CN" altLang="en-US" smtClean="0"/>
               <a:t>24</a:t>
             </a:fld>
@@ -2101,11 +2107,6 @@
         </p:txBody>
       </p:sp>
     </p:spTree>
-    <p:extLst>
-      <p:ext uri="{BB962C8B-B14F-4D97-AF65-F5344CB8AC3E}">
-        <p14:creationId xmlns:p14="http://schemas.microsoft.com/office/powerpoint/2010/main" val="371722501"/>
-      </p:ext>
-    </p:extLst>
   </p:cSld>
   <p:clrMapOvr>
     <a:masterClrMapping/>
@@ -2187,7 +2188,7 @@
     </p:spTree>
     <p:extLst>
       <p:ext uri="{BB962C8B-B14F-4D97-AF65-F5344CB8AC3E}">
-        <p14:creationId xmlns:p14="http://schemas.microsoft.com/office/powerpoint/2010/main" val="1678865337"/>
+        <p14:creationId xmlns:p14="http://schemas.microsoft.com/office/powerpoint/2010/main" val="371722501"/>
       </p:ext>
     </p:extLst>
   </p:cSld>
@@ -2260,9 +2261,93 @@
           <a:bodyPr/>
           <a:lstStyle/>
           <a:p>
+            <a:fld id="{7392B679-AE23-4750-8FB0-6513430B8953}" type="slidenum">
+              <a:rPr lang="zh-CN" altLang="en-US" smtClean="0"/>
+              <a:t>26</a:t>
+            </a:fld>
+            <a:endParaRPr lang="zh-CN" altLang="en-US"/>
+          </a:p>
+        </p:txBody>
+      </p:sp>
+    </p:spTree>
+    <p:extLst>
+      <p:ext uri="{BB962C8B-B14F-4D97-AF65-F5344CB8AC3E}">
+        <p14:creationId xmlns:p14="http://schemas.microsoft.com/office/powerpoint/2010/main" val="1678865337"/>
+      </p:ext>
+    </p:extLst>
+  </p:cSld>
+  <p:clrMapOvr>
+    <a:masterClrMapping/>
+  </p:clrMapOvr>
+</p:notes>
+</file>
+
+<file path=ppt/notesSlides/notesSlide27.xml><?xml version="1.0" encoding="utf-8"?>
+<p:notes xmlns:a="http://schemas.openxmlformats.org/drawingml/2006/main" xmlns:r="http://schemas.openxmlformats.org/officeDocument/2006/relationships" xmlns:p="http://schemas.openxmlformats.org/presentationml/2006/main">
+  <p:cSld>
+    <p:spTree>
+      <p:nvGrpSpPr>
+        <p:cNvPr id="1" name=""/>
+        <p:cNvGrpSpPr/>
+        <p:nvPr/>
+      </p:nvGrpSpPr>
+      <p:grpSpPr>
+        <a:xfrm>
+          <a:off x="0" y="0"/>
+          <a:ext cx="0" cy="0"/>
+          <a:chOff x="0" y="0"/>
+          <a:chExt cx="0" cy="0"/>
+        </a:xfrm>
+      </p:grpSpPr>
+      <p:sp>
+        <p:nvSpPr>
+          <p:cNvPr id="2" name="幻灯片图像占位符 1"/>
+          <p:cNvSpPr>
+            <a:spLocks noGrp="1" noRot="1" noChangeAspect="1"/>
+          </p:cNvSpPr>
+          <p:nvPr>
+            <p:ph type="sldImg"/>
+          </p:nvPr>
+        </p:nvSpPr>
+        <p:spPr/>
+      </p:sp>
+      <p:sp>
+        <p:nvSpPr>
+          <p:cNvPr id="3" name="备注占位符 2"/>
+          <p:cNvSpPr>
+            <a:spLocks noGrp="1"/>
+          </p:cNvSpPr>
+          <p:nvPr>
+            <p:ph type="body" idx="1"/>
+          </p:nvPr>
+        </p:nvSpPr>
+        <p:spPr/>
+        <p:txBody>
+          <a:bodyPr/>
+          <a:lstStyle/>
+          <a:p>
+            <a:endParaRPr lang="zh-CN" altLang="en-US"/>
+          </a:p>
+        </p:txBody>
+      </p:sp>
+      <p:sp>
+        <p:nvSpPr>
+          <p:cNvPr id="4" name="灯片编号占位符 3"/>
+          <p:cNvSpPr>
+            <a:spLocks noGrp="1"/>
+          </p:cNvSpPr>
+          <p:nvPr>
+            <p:ph type="sldNum" sz="quarter" idx="10"/>
+          </p:nvPr>
+        </p:nvSpPr>
+        <p:spPr/>
+        <p:txBody>
+          <a:bodyPr/>
+          <a:lstStyle/>
+          <a:p>
             <a:fld id="{FC721462-D095-4E59-A8AC-4FBA96965AB6}" type="slidenum">
               <a:rPr lang="zh-CN" altLang="en-US" smtClean="0"/>
-              <a:t>26</a:t>
+              <a:t>27</a:t>
             </a:fld>
             <a:endParaRPr lang="zh-CN" altLang="en-US"/>
           </a:p>
@@ -2983,7 +3068,7 @@
           <a:p>
             <a:fld id="{D997B5FA-0921-464F-AAE1-844C04324D75}" type="datetimeFigureOut">
               <a:rPr lang="zh-CN" altLang="en-US" smtClean="0"/>
-              <a:t>2023/5/19</a:t>
+              <a:t>2023/5/26</a:t>
             </a:fld>
             <a:endParaRPr lang="zh-CN" altLang="en-US"/>
           </a:p>
@@ -3233,7 +3318,7 @@
           <a:p>
             <a:fld id="{D997B5FA-0921-464F-AAE1-844C04324D75}" type="datetimeFigureOut">
               <a:rPr lang="zh-CN" altLang="en-US" smtClean="0"/>
-              <a:t>2023/5/19</a:t>
+              <a:t>2023/5/26</a:t>
             </a:fld>
             <a:endParaRPr lang="zh-CN" altLang="en-US"/>
           </a:p>
@@ -3396,7 +3481,7 @@
           <a:p>
             <a:fld id="{D997B5FA-0921-464F-AAE1-844C04324D75}" type="datetimeFigureOut">
               <a:rPr lang="zh-CN" altLang="en-US" smtClean="0"/>
-              <a:t>2023/5/19</a:t>
+              <a:t>2023/5/26</a:t>
             </a:fld>
             <a:endParaRPr lang="zh-CN" altLang="en-US"/>
           </a:p>
@@ -3569,7 +3654,7 @@
           <a:p>
             <a:fld id="{D997B5FA-0921-464F-AAE1-844C04324D75}" type="datetimeFigureOut">
               <a:rPr lang="zh-CN" altLang="en-US" smtClean="0"/>
-              <a:t>2023/5/19</a:t>
+              <a:t>2023/5/26</a:t>
             </a:fld>
             <a:endParaRPr lang="zh-CN" altLang="en-US"/>
           </a:p>
@@ -4340,7 +4425,7 @@
           <a:p>
             <a:fld id="{D997B5FA-0921-464F-AAE1-844C04324D75}" type="datetimeFigureOut">
               <a:rPr lang="zh-CN" altLang="en-US" smtClean="0"/>
-              <a:t>2023/5/19</a:t>
+              <a:t>2023/5/26</a:t>
             </a:fld>
             <a:endParaRPr lang="zh-CN" altLang="en-US"/>
           </a:p>
@@ -4580,7 +4665,7 @@
           <a:p>
             <a:fld id="{D997B5FA-0921-464F-AAE1-844C04324D75}" type="datetimeFigureOut">
               <a:rPr lang="zh-CN" altLang="en-US" smtClean="0"/>
-              <a:t>2023/5/19</a:t>
+              <a:t>2023/5/26</a:t>
             </a:fld>
             <a:endParaRPr lang="zh-CN" altLang="en-US"/>
           </a:p>
@@ -4804,7 +4889,7 @@
           <a:p>
             <a:fld id="{D997B5FA-0921-464F-AAE1-844C04324D75}" type="datetimeFigureOut">
               <a:rPr lang="zh-CN" altLang="en-US" smtClean="0"/>
-              <a:t>2023/5/19</a:t>
+              <a:t>2023/5/26</a:t>
             </a:fld>
             <a:endParaRPr lang="zh-CN" altLang="en-US"/>
           </a:p>
@@ -5163,7 +5248,7 @@
           <a:p>
             <a:fld id="{D997B5FA-0921-464F-AAE1-844C04324D75}" type="datetimeFigureOut">
               <a:rPr lang="zh-CN" altLang="en-US" smtClean="0"/>
-              <a:t>2023/5/19</a:t>
+              <a:t>2023/5/26</a:t>
             </a:fld>
             <a:endParaRPr lang="zh-CN" altLang="en-US"/>
           </a:p>
@@ -5275,7 +5360,7 @@
           <a:p>
             <a:fld id="{D997B5FA-0921-464F-AAE1-844C04324D75}" type="datetimeFigureOut">
               <a:rPr lang="zh-CN" altLang="en-US" smtClean="0"/>
-              <a:t>2023/5/19</a:t>
+              <a:t>2023/5/26</a:t>
             </a:fld>
             <a:endParaRPr lang="zh-CN" altLang="en-US"/>
           </a:p>
@@ -5365,7 +5450,7 @@
           <a:p>
             <a:fld id="{D997B5FA-0921-464F-AAE1-844C04324D75}" type="datetimeFigureOut">
               <a:rPr lang="zh-CN" altLang="en-US" smtClean="0"/>
-              <a:t>2023/5/19</a:t>
+              <a:t>2023/5/26</a:t>
             </a:fld>
             <a:endParaRPr lang="zh-CN" altLang="en-US"/>
           </a:p>
@@ -5635,7 +5720,7 @@
           <a:p>
             <a:fld id="{D997B5FA-0921-464F-AAE1-844C04324D75}" type="datetimeFigureOut">
               <a:rPr lang="zh-CN" altLang="en-US" smtClean="0"/>
-              <a:t>2023/5/19</a:t>
+              <a:t>2023/5/26</a:t>
             </a:fld>
             <a:endParaRPr lang="zh-CN" altLang="en-US"/>
           </a:p>
@@ -5850,7 +5935,7 @@
           <a:p>
             <a:fld id="{D997B5FA-0921-464F-AAE1-844C04324D75}" type="datetimeFigureOut">
               <a:rPr lang="zh-CN" altLang="en-US" smtClean="0"/>
-              <a:t>2023/5/19</a:t>
+              <a:t>2023/5/26</a:t>
             </a:fld>
             <a:endParaRPr lang="zh-CN" altLang="en-US"/>
           </a:p>
@@ -10863,6 +10948,32 @@
               <a:t>工具：</a:t>
             </a:r>
             <a:r>
+              <a:rPr lang="en-US" altLang="zh-CN" sz="1600" b="1" dirty="0" err="1">
+                <a:solidFill>
+                  <a:schemeClr val="tx1">
+                    <a:lumMod val="75000"/>
+                    <a:lumOff val="25000"/>
+                  </a:schemeClr>
+                </a:solidFill>
+                <a:latin typeface="微软雅黑" panose="020B0503020204020204" pitchFamily="34" charset="-122"/>
+                <a:ea typeface="微软雅黑" panose="020B0503020204020204" pitchFamily="34" charset="-122"/>
+              </a:rPr>
+              <a:t>visio</a:t>
+            </a:r>
+            <a:r>
+              <a:rPr lang="zh-CN" altLang="en-US" sz="1600" b="1" dirty="0">
+                <a:solidFill>
+                  <a:schemeClr val="tx1">
+                    <a:lumMod val="75000"/>
+                    <a:lumOff val="25000"/>
+                  </a:schemeClr>
+                </a:solidFill>
+                <a:latin typeface="微软雅黑" panose="020B0503020204020204" pitchFamily="34" charset="-122"/>
+                <a:ea typeface="微软雅黑" panose="020B0503020204020204" pitchFamily="34" charset="-122"/>
+              </a:rPr>
+              <a:t>，</a:t>
+            </a:r>
+            <a:r>
               <a:rPr lang="en-US" altLang="zh-CN" sz="1600" b="1" dirty="0">
                 <a:solidFill>
                   <a:schemeClr val="tx1">
@@ -10873,7 +10984,7 @@
                 <a:latin typeface="微软雅黑" panose="020B0503020204020204" pitchFamily="34" charset="-122"/>
                 <a:ea typeface="微软雅黑" panose="020B0503020204020204" pitchFamily="34" charset="-122"/>
               </a:rPr>
-              <a:t>StarUML 5.0.0</a:t>
+              <a:t>process on</a:t>
             </a:r>
             <a:endParaRPr lang="en-US" altLang="zh-CN" sz="1600" dirty="0">
               <a:solidFill>
@@ -10948,10 +11059,10 @@
       </p:pic>
       <p:pic>
         <p:nvPicPr>
-          <p:cNvPr id="11" name="图片 10">
+          <p:cNvPr id="6" name="图片 5">
             <a:extLst>
               <a:ext uri="{FF2B5EF4-FFF2-40B4-BE49-F238E27FC236}">
-                <a16:creationId xmlns:a16="http://schemas.microsoft.com/office/drawing/2014/main" id="{81C60394-6C89-6412-6C88-BCF249CDC744}"/>
+                <a16:creationId xmlns:a16="http://schemas.microsoft.com/office/drawing/2014/main" id="{453A2EE8-6DBE-4174-AADA-9F22DC3D398E}"/>
               </a:ext>
             </a:extLst>
           </p:cNvPr>
@@ -10968,8 +11079,8 @@
         </p:blipFill>
         <p:spPr>
           <a:xfrm>
-            <a:off x="7420005" y="1849453"/>
-            <a:ext cx="4452781" cy="4260401"/>
+            <a:off x="7558189" y="1887583"/>
+            <a:ext cx="4134278" cy="4269091"/>
           </a:xfrm>
           <a:prstGeom prst="rect">
             <a:avLst/>
@@ -11374,36 +11485,6 @@
           </a:p>
         </p:txBody>
       </p:sp>
-      <p:pic>
-        <p:nvPicPr>
-          <p:cNvPr id="6" name="图片 5">
-            <a:extLst>
-              <a:ext uri="{FF2B5EF4-FFF2-40B4-BE49-F238E27FC236}">
-                <a16:creationId xmlns:a16="http://schemas.microsoft.com/office/drawing/2014/main" id="{EAC5A1F6-019F-03C7-7C3B-42FBF5B9AC53}"/>
-              </a:ext>
-            </a:extLst>
-          </p:cNvPr>
-          <p:cNvPicPr>
-            <a:picLocks noChangeAspect="1"/>
-          </p:cNvPicPr>
-          <p:nvPr/>
-        </p:nvPicPr>
-        <p:blipFill>
-          <a:blip r:embed="rId3"/>
-          <a:stretch>
-            <a:fillRect/>
-          </a:stretch>
-        </p:blipFill>
-        <p:spPr>
-          <a:xfrm>
-            <a:off x="438916" y="2012087"/>
-            <a:ext cx="4963048" cy="3389103"/>
-          </a:xfrm>
-          <a:prstGeom prst="rect">
-            <a:avLst/>
-          </a:prstGeom>
-        </p:spPr>
-      </p:pic>
       <p:sp>
         <p:nvSpPr>
           <p:cNvPr id="7" name="文本框 6">
@@ -11451,7 +11532,7 @@
                 <a:latin typeface="微软雅黑" panose="020B0503020204020204" pitchFamily="34" charset="-122"/>
                 <a:ea typeface="微软雅黑" panose="020B0503020204020204" pitchFamily="34" charset="-122"/>
               </a:rPr>
-              <a:t>对话框图：</a:t>
+              <a:t>顺序图：</a:t>
             </a:r>
             <a:endParaRPr lang="en-US" altLang="zh-CN" sz="1600" dirty="0">
               <a:solidFill>
@@ -11468,10 +11549,40 @@
       </p:sp>
       <p:pic>
         <p:nvPicPr>
-          <p:cNvPr id="9" name="图片 8">
+          <p:cNvPr id="8" name="图片 7">
             <a:extLst>
               <a:ext uri="{FF2B5EF4-FFF2-40B4-BE49-F238E27FC236}">
-                <a16:creationId xmlns:a16="http://schemas.microsoft.com/office/drawing/2014/main" id="{44CA598D-D23B-3550-3D6B-FC592B47B59C}"/>
+                <a16:creationId xmlns:a16="http://schemas.microsoft.com/office/drawing/2014/main" id="{447FFBF9-D109-40F1-B88A-0BAD4EE9B179}"/>
+              </a:ext>
+            </a:extLst>
+          </p:cNvPr>
+          <p:cNvPicPr>
+            <a:picLocks noChangeAspect="1"/>
+          </p:cNvPicPr>
+          <p:nvPr/>
+        </p:nvPicPr>
+        <p:blipFill>
+          <a:blip r:embed="rId3"/>
+          <a:stretch>
+            <a:fillRect/>
+          </a:stretch>
+        </p:blipFill>
+        <p:spPr>
+          <a:xfrm>
+            <a:off x="438915" y="2134079"/>
+            <a:ext cx="4969567" cy="3359151"/>
+          </a:xfrm>
+          <a:prstGeom prst="rect">
+            <a:avLst/>
+          </a:prstGeom>
+        </p:spPr>
+      </p:pic>
+      <p:pic>
+        <p:nvPicPr>
+          <p:cNvPr id="11" name="图片 10">
+            <a:extLst>
+              <a:ext uri="{FF2B5EF4-FFF2-40B4-BE49-F238E27FC236}">
+                <a16:creationId xmlns:a16="http://schemas.microsoft.com/office/drawing/2014/main" id="{B56BEB1D-EB13-4B8B-B832-8D57E17E0D7A}"/>
               </a:ext>
             </a:extLst>
           </p:cNvPr>
@@ -11488,8 +11599,8 @@
         </p:blipFill>
         <p:spPr>
           <a:xfrm>
-            <a:off x="6573254" y="2012086"/>
-            <a:ext cx="3890342" cy="3389104"/>
+            <a:off x="6273823" y="2048933"/>
+            <a:ext cx="4736731" cy="4166249"/>
           </a:xfrm>
           <a:prstGeom prst="rect">
             <a:avLst/>
@@ -14428,17 +14539,6 @@
             </a:lvl1pPr>
           </a:lstStyle>
           <a:p>
-            <a:pPr algn="l"/>
-            <a:r>
-              <a:rPr lang="zh-CN" altLang="en-US" sz="2400" b="1" dirty="0">
-                <a:solidFill>
-                  <a:schemeClr val="tx2"/>
-                </a:solidFill>
-                <a:latin typeface="微软雅黑" panose="020B0503020204020204" pitchFamily="34" charset="-122"/>
-                <a:ea typeface="微软雅黑" panose="020B0503020204020204" pitchFamily="34" charset="-122"/>
-              </a:rPr>
-              <a:t>数据字典与</a:t>
-            </a:r>
             <a:r>
               <a:rPr lang="en-US" altLang="zh-CN" sz="2400" b="1" dirty="0">
                 <a:solidFill>
@@ -14447,7 +14547,7 @@
                 <a:latin typeface="微软雅黑" panose="020B0503020204020204" pitchFamily="34" charset="-122"/>
                 <a:ea typeface="微软雅黑" panose="020B0503020204020204" pitchFamily="34" charset="-122"/>
               </a:rPr>
-              <a:t>E-R</a:t>
+              <a:t>JAD</a:t>
             </a:r>
             <a:r>
               <a:rPr lang="zh-CN" altLang="en-US" sz="2400" b="1" dirty="0">
@@ -14457,151 +14557,17 @@
                 <a:latin typeface="微软雅黑" panose="020B0503020204020204" pitchFamily="34" charset="-122"/>
                 <a:ea typeface="微软雅黑" panose="020B0503020204020204" pitchFamily="34" charset="-122"/>
               </a:rPr>
-              <a:t>图</a:t>
+              <a:t>会议</a:t>
             </a:r>
-          </a:p>
-        </p:txBody>
-      </p:sp>
-      <p:sp>
-        <p:nvSpPr>
-          <p:cNvPr id="2" name="文本框 1">
-            <a:extLst>
-              <a:ext uri="{FF2B5EF4-FFF2-40B4-BE49-F238E27FC236}">
-                <a16:creationId xmlns:a16="http://schemas.microsoft.com/office/drawing/2014/main" id="{1957E2F4-9ADF-9F18-D8AD-B7B6B337E9DB}"/>
-              </a:ext>
-            </a:extLst>
-          </p:cNvPr>
-          <p:cNvSpPr txBox="1"/>
-          <p:nvPr/>
-        </p:nvSpPr>
-        <p:spPr>
-          <a:xfrm>
-            <a:off x="720771" y="1032103"/>
-            <a:ext cx="2471162" cy="787523"/>
-          </a:xfrm>
-          <a:prstGeom prst="rect">
-            <a:avLst/>
-          </a:prstGeom>
-          <a:noFill/>
-        </p:spPr>
-        <p:txBody>
-          <a:bodyPr wrap="square">
-            <a:spAutoFit/>
-          </a:bodyPr>
-          <a:lstStyle/>
-          <a:p>
-            <a:pPr>
-              <a:lnSpc>
-                <a:spcPct val="150000"/>
-              </a:lnSpc>
-              <a:buClr>
-                <a:srgbClr val="3992DB"/>
-              </a:buClr>
-            </a:pPr>
-            <a:r>
-              <a:rPr lang="zh-CN" altLang="en-US" sz="1600" dirty="0">
-                <a:solidFill>
-                  <a:schemeClr val="tx1">
-                    <a:lumMod val="75000"/>
-                    <a:lumOff val="25000"/>
-                  </a:schemeClr>
-                </a:solidFill>
-                <a:latin typeface="微软雅黑" panose="020B0503020204020204" pitchFamily="34" charset="-122"/>
-                <a:ea typeface="微软雅黑" panose="020B0503020204020204" pitchFamily="34" charset="-122"/>
-              </a:rPr>
-              <a:t>详情请见具体文件。</a:t>
-            </a:r>
-            <a:endParaRPr lang="en-US" altLang="zh-CN" sz="1600" dirty="0">
-              <a:solidFill>
-                <a:schemeClr val="tx1">
-                  <a:lumMod val="75000"/>
-                  <a:lumOff val="25000"/>
-                </a:schemeClr>
-              </a:solidFill>
-              <a:latin typeface="微软雅黑" panose="020B0503020204020204" pitchFamily="34" charset="-122"/>
-              <a:ea typeface="微软雅黑" panose="020B0503020204020204" pitchFamily="34" charset="-122"/>
-            </a:endParaRPr>
-          </a:p>
-          <a:p>
-            <a:pPr>
-              <a:lnSpc>
-                <a:spcPct val="150000"/>
-              </a:lnSpc>
-              <a:buClr>
-                <a:srgbClr val="3992DB"/>
-              </a:buClr>
-            </a:pPr>
-            <a:r>
-              <a:rPr lang="zh-CN" altLang="en-US" sz="1600" dirty="0">
-                <a:solidFill>
-                  <a:schemeClr val="tx1">
-                    <a:lumMod val="75000"/>
-                    <a:lumOff val="25000"/>
-                  </a:schemeClr>
-                </a:solidFill>
-                <a:latin typeface="微软雅黑" panose="020B0503020204020204" pitchFamily="34" charset="-122"/>
-                <a:ea typeface="微软雅黑" panose="020B0503020204020204" pitchFamily="34" charset="-122"/>
-              </a:rPr>
-              <a:t>工具：</a:t>
-            </a:r>
-            <a:r>
-              <a:rPr lang="en-US" altLang="zh-CN" sz="1600" dirty="0" err="1">
-                <a:solidFill>
-                  <a:schemeClr val="tx1">
-                    <a:lumMod val="75000"/>
-                    <a:lumOff val="25000"/>
-                  </a:schemeClr>
-                </a:solidFill>
-                <a:latin typeface="微软雅黑" panose="020B0503020204020204" pitchFamily="34" charset="-122"/>
-                <a:ea typeface="微软雅黑" panose="020B0503020204020204" pitchFamily="34" charset="-122"/>
-              </a:rPr>
-              <a:t>ProcessOn</a:t>
-            </a:r>
-            <a:r>
-              <a:rPr lang="zh-CN" altLang="en-US" sz="1600" dirty="0">
-                <a:solidFill>
-                  <a:schemeClr val="tx1">
-                    <a:lumMod val="75000"/>
-                    <a:lumOff val="25000"/>
-                  </a:schemeClr>
-                </a:solidFill>
-                <a:latin typeface="微软雅黑" panose="020B0503020204020204" pitchFamily="34" charset="-122"/>
-                <a:ea typeface="微软雅黑" panose="020B0503020204020204" pitchFamily="34" charset="-122"/>
-              </a:rPr>
-              <a:t>，</a:t>
-            </a:r>
-            <a:r>
-              <a:rPr lang="en-US" altLang="zh-CN" sz="1600" dirty="0" err="1">
-                <a:solidFill>
-                  <a:schemeClr val="tx1">
-                    <a:lumMod val="75000"/>
-                    <a:lumOff val="25000"/>
-                  </a:schemeClr>
-                </a:solidFill>
-                <a:latin typeface="微软雅黑" panose="020B0503020204020204" pitchFamily="34" charset="-122"/>
-                <a:ea typeface="微软雅黑" panose="020B0503020204020204" pitchFamily="34" charset="-122"/>
-              </a:rPr>
-              <a:t>visio</a:t>
-            </a:r>
-            <a:endParaRPr lang="en-US" altLang="zh-CN" sz="1600" dirty="0">
-              <a:solidFill>
-                <a:schemeClr val="tx1">
-                  <a:lumMod val="75000"/>
-                  <a:lumOff val="25000"/>
-                </a:schemeClr>
-              </a:solidFill>
-              <a:latin typeface="微软雅黑" panose="020B0503020204020204" pitchFamily="34" charset="-122"/>
-              <a:ea typeface="微软雅黑" panose="020B0503020204020204" pitchFamily="34" charset="-122"/>
-            </a:endParaRPr>
           </a:p>
         </p:txBody>
       </p:sp>
       <p:pic>
         <p:nvPicPr>
-          <p:cNvPr id="5" name="图片 4">
+          <p:cNvPr id="6" name="图片 5">
             <a:extLst>
               <a:ext uri="{FF2B5EF4-FFF2-40B4-BE49-F238E27FC236}">
-                <a16:creationId xmlns:a16="http://schemas.microsoft.com/office/drawing/2014/main" id="{B8181A56-2CDF-7308-FAA3-253A494D558C}"/>
+                <a16:creationId xmlns:a16="http://schemas.microsoft.com/office/drawing/2014/main" id="{A5C496E0-21C6-4CC7-B35F-635D74F52701}"/>
               </a:ext>
             </a:extLst>
           </p:cNvPr>
@@ -14618,48 +14584,80 @@
         </p:blipFill>
         <p:spPr>
           <a:xfrm>
-            <a:off x="5818471" y="1602118"/>
-            <a:ext cx="5930797" cy="4305855"/>
+            <a:off x="1337733" y="2165496"/>
+            <a:ext cx="8662848" cy="3813861"/>
           </a:xfrm>
           <a:prstGeom prst="rect">
             <a:avLst/>
           </a:prstGeom>
         </p:spPr>
       </p:pic>
-      <p:pic>
-        <p:nvPicPr>
-          <p:cNvPr id="8" name="图片 7">
+      <p:sp>
+        <p:nvSpPr>
+          <p:cNvPr id="8" name="文本框 7">
             <a:extLst>
               <a:ext uri="{FF2B5EF4-FFF2-40B4-BE49-F238E27FC236}">
-                <a16:creationId xmlns:a16="http://schemas.microsoft.com/office/drawing/2014/main" id="{3EE2AA0C-463C-622E-F0FD-C6FF2CB1C6F0}"/>
+                <a16:creationId xmlns:a16="http://schemas.microsoft.com/office/drawing/2014/main" id="{73420F29-BD85-420B-8A48-3DF32A891ECE}"/>
               </a:ext>
             </a:extLst>
           </p:cNvPr>
-          <p:cNvPicPr>
-            <a:picLocks noChangeAspect="1"/>
-          </p:cNvPicPr>
+          <p:cNvSpPr txBox="1"/>
           <p:nvPr/>
-        </p:nvPicPr>
-        <p:blipFill>
-          <a:blip r:embed="rId4"/>
-          <a:stretch>
-            <a:fillRect/>
-          </a:stretch>
-        </p:blipFill>
+        </p:nvSpPr>
         <p:spPr>
           <a:xfrm>
-            <a:off x="454086" y="2078827"/>
-            <a:ext cx="4622615" cy="2363227"/>
+            <a:off x="810707" y="1007534"/>
+            <a:ext cx="10570586" cy="923330"/>
           </a:xfrm>
           <a:prstGeom prst="rect">
             <a:avLst/>
           </a:prstGeom>
+          <a:noFill/>
         </p:spPr>
-      </p:pic>
+        <p:txBody>
+          <a:bodyPr wrap="none" rtlCol="0">
+            <a:spAutoFit/>
+          </a:bodyPr>
+          <a:lstStyle/>
+          <a:p>
+            <a:r>
+              <a:rPr lang="zh-CN" altLang="en-US" dirty="0"/>
+              <a:t>小组先后进行了两次</a:t>
+            </a:r>
+            <a:r>
+              <a:rPr lang="en-US" altLang="zh-CN" dirty="0"/>
+              <a:t>JAD</a:t>
+            </a:r>
+            <a:r>
+              <a:rPr lang="zh-CN" altLang="en-US" dirty="0"/>
+              <a:t>会议，第一次</a:t>
+            </a:r>
+            <a:r>
+              <a:rPr lang="en-US" altLang="zh-CN" dirty="0"/>
+              <a:t>JAD</a:t>
+            </a:r>
+            <a:r>
+              <a:rPr lang="zh-CN" altLang="en-US" dirty="0"/>
+              <a:t>会议主要是根据各用户代表访谈内容确认了基本的用户用例，</a:t>
+            </a:r>
+            <a:endParaRPr lang="en-US" altLang="zh-CN" dirty="0"/>
+          </a:p>
+          <a:p>
+            <a:r>
+              <a:rPr lang="zh-CN" altLang="en-US" dirty="0"/>
+              <a:t>第二次则是通过用户的二次采访，增删了部分用例，并补足了管理员用例</a:t>
+            </a:r>
+            <a:endParaRPr lang="en-US" altLang="zh-CN" dirty="0"/>
+          </a:p>
+          <a:p>
+            <a:endParaRPr lang="zh-CN" altLang="en-US" dirty="0"/>
+          </a:p>
+        </p:txBody>
+      </p:sp>
     </p:spTree>
     <p:extLst>
       <p:ext uri="{BB962C8B-B14F-4D97-AF65-F5344CB8AC3E}">
-        <p14:creationId xmlns:p14="http://schemas.microsoft.com/office/powerpoint/2010/main" val="962594101"/>
+        <p14:creationId xmlns:p14="http://schemas.microsoft.com/office/powerpoint/2010/main" val="651325664"/>
       </p:ext>
     </p:extLst>
   </p:cSld>
@@ -14890,14 +14888,20 @@
       </p:grpSpPr>
       <p:sp>
         <p:nvSpPr>
-          <p:cNvPr id="31" name="Title 1"/>
+          <p:cNvPr id="4" name="Title 1">
+            <a:extLst>
+              <a:ext uri="{FF2B5EF4-FFF2-40B4-BE49-F238E27FC236}">
+                <a16:creationId xmlns:a16="http://schemas.microsoft.com/office/drawing/2014/main" id="{93B1E318-287E-D98D-2D08-1A7BA96784A4}"/>
+              </a:ext>
+            </a:extLst>
+          </p:cNvPr>
           <p:cNvSpPr txBox="1"/>
           <p:nvPr/>
         </p:nvSpPr>
         <p:spPr>
           <a:xfrm>
-            <a:off x="902557" y="261256"/>
-            <a:ext cx="1641049" cy="505969"/>
+            <a:off x="1143840" y="266933"/>
+            <a:ext cx="3474342" cy="505969"/>
           </a:xfrm>
           <a:prstGeom prst="rect">
             <a:avLst/>
@@ -14924,6 +14928,7 @@
             </a:lvl1pPr>
           </a:lstStyle>
           <a:p>
+            <a:pPr algn="l"/>
             <a:r>
               <a:rPr lang="zh-CN" altLang="en-US" sz="2400" b="1" dirty="0">
                 <a:solidFill>
@@ -14932,17 +14937,37 @@
                 <a:latin typeface="微软雅黑" panose="020B0503020204020204" pitchFamily="34" charset="-122"/>
                 <a:ea typeface="微软雅黑" panose="020B0503020204020204" pitchFamily="34" charset="-122"/>
               </a:rPr>
-              <a:t>测试用例</a:t>
+              <a:t>数据字典与</a:t>
+            </a:r>
+            <a:r>
+              <a:rPr lang="en-US" altLang="zh-CN" sz="2400" b="1" dirty="0">
+                <a:solidFill>
+                  <a:schemeClr val="tx2"/>
+                </a:solidFill>
+                <a:latin typeface="微软雅黑" panose="020B0503020204020204" pitchFamily="34" charset="-122"/>
+                <a:ea typeface="微软雅黑" panose="020B0503020204020204" pitchFamily="34" charset="-122"/>
+              </a:rPr>
+              <a:t>E-R</a:t>
+            </a:r>
+            <a:r>
+              <a:rPr lang="zh-CN" altLang="en-US" sz="2400" b="1" dirty="0">
+                <a:solidFill>
+                  <a:schemeClr val="tx2"/>
+                </a:solidFill>
+                <a:latin typeface="微软雅黑" panose="020B0503020204020204" pitchFamily="34" charset="-122"/>
+                <a:ea typeface="微软雅黑" panose="020B0503020204020204" pitchFamily="34" charset="-122"/>
+              </a:rPr>
+              <a:t>图</a:t>
             </a:r>
           </a:p>
         </p:txBody>
       </p:sp>
       <p:sp>
         <p:nvSpPr>
-          <p:cNvPr id="46" name="Title 1">
+          <p:cNvPr id="2" name="文本框 1">
             <a:extLst>
               <a:ext uri="{FF2B5EF4-FFF2-40B4-BE49-F238E27FC236}">
-                <a16:creationId xmlns:a16="http://schemas.microsoft.com/office/drawing/2014/main" id="{3BAC5CBE-B1E4-4666-9256-E5ED001FA416}"/>
+                <a16:creationId xmlns:a16="http://schemas.microsoft.com/office/drawing/2014/main" id="{1957E2F4-9ADF-9F18-D8AD-B7B6B337E9DB}"/>
               </a:ext>
             </a:extLst>
           </p:cNvPr>
@@ -14951,40 +14976,114 @@
         </p:nvSpPr>
         <p:spPr>
           <a:xfrm>
-            <a:off x="1050153" y="779314"/>
-            <a:ext cx="10091695" cy="1785591"/>
+            <a:off x="720771" y="1032103"/>
+            <a:ext cx="2471162" cy="787523"/>
           </a:xfrm>
           <a:prstGeom prst="rect">
             <a:avLst/>
           </a:prstGeom>
+          <a:noFill/>
         </p:spPr>
         <p:txBody>
-          <a:bodyPr lIns="0" rIns="0" anchor="ctr">
-            <a:noAutofit/>
+          <a:bodyPr wrap="square">
+            <a:spAutoFit/>
           </a:bodyPr>
-          <a:lstStyle>
-            <a:lvl1pPr algn="ctr" defTabSz="914400" rtl="0" eaLnBrk="1" latinLnBrk="0" hangingPunct="1">
-              <a:spcBef>
-                <a:spcPct val="0"/>
-              </a:spcBef>
-              <a:buNone/>
-              <a:defRPr sz="3000" b="0" kern="1200">
-                <a:solidFill>
-                  <a:schemeClr val="accent1"/>
-                </a:solidFill>
-                <a:latin typeface="U.S. 101" pitchFamily="2" charset="0"/>
-                <a:ea typeface="Roboto" pitchFamily="2" charset="0"/>
-                <a:cs typeface="Open Sans Light" panose="020B0306030504020204" pitchFamily="34" charset="0"/>
-              </a:defRPr>
-            </a:lvl1pPr>
-          </a:lstStyle>
+          <a:lstStyle/>
           <a:p>
-            <a:pPr algn="l">
+            <a:pPr>
               <a:lnSpc>
                 <a:spcPct val="150000"/>
               </a:lnSpc>
+              <a:buClr>
+                <a:srgbClr val="3992DB"/>
+              </a:buClr>
             </a:pPr>
-            <a:endParaRPr lang="en-GB" altLang="zh-CN" sz="2400" dirty="0">
+            <a:r>
+              <a:rPr lang="zh-CN" altLang="en-US" sz="1600" dirty="0">
+                <a:solidFill>
+                  <a:schemeClr val="tx1">
+                    <a:lumMod val="75000"/>
+                    <a:lumOff val="25000"/>
+                  </a:schemeClr>
+                </a:solidFill>
+                <a:latin typeface="微软雅黑" panose="020B0503020204020204" pitchFamily="34" charset="-122"/>
+                <a:ea typeface="微软雅黑" panose="020B0503020204020204" pitchFamily="34" charset="-122"/>
+              </a:rPr>
+              <a:t>详情请见具体文件。</a:t>
+            </a:r>
+            <a:endParaRPr lang="en-US" altLang="zh-CN" sz="1600" dirty="0">
+              <a:solidFill>
+                <a:schemeClr val="tx1">
+                  <a:lumMod val="75000"/>
+                  <a:lumOff val="25000"/>
+                </a:schemeClr>
+              </a:solidFill>
+              <a:latin typeface="微软雅黑" panose="020B0503020204020204" pitchFamily="34" charset="-122"/>
+              <a:ea typeface="微软雅黑" panose="020B0503020204020204" pitchFamily="34" charset="-122"/>
+            </a:endParaRPr>
+          </a:p>
+          <a:p>
+            <a:pPr>
+              <a:lnSpc>
+                <a:spcPct val="150000"/>
+              </a:lnSpc>
+              <a:buClr>
+                <a:srgbClr val="3992DB"/>
+              </a:buClr>
+            </a:pPr>
+            <a:r>
+              <a:rPr lang="zh-CN" altLang="en-US" sz="1600" dirty="0">
+                <a:solidFill>
+                  <a:schemeClr val="tx1">
+                    <a:lumMod val="75000"/>
+                    <a:lumOff val="25000"/>
+                  </a:schemeClr>
+                </a:solidFill>
+                <a:latin typeface="微软雅黑" panose="020B0503020204020204" pitchFamily="34" charset="-122"/>
+                <a:ea typeface="微软雅黑" panose="020B0503020204020204" pitchFamily="34" charset="-122"/>
+              </a:rPr>
+              <a:t>工具：</a:t>
+            </a:r>
+            <a:r>
+              <a:rPr lang="en-US" altLang="zh-CN" sz="1600" dirty="0" err="1">
+                <a:solidFill>
+                  <a:schemeClr val="tx1">
+                    <a:lumMod val="75000"/>
+                    <a:lumOff val="25000"/>
+                  </a:schemeClr>
+                </a:solidFill>
+                <a:latin typeface="微软雅黑" panose="020B0503020204020204" pitchFamily="34" charset="-122"/>
+                <a:ea typeface="微软雅黑" panose="020B0503020204020204" pitchFamily="34" charset="-122"/>
+              </a:rPr>
+              <a:t>ProcessOn</a:t>
+            </a:r>
+            <a:r>
+              <a:rPr lang="zh-CN" altLang="en-US" sz="1600" dirty="0">
+                <a:solidFill>
+                  <a:schemeClr val="tx1">
+                    <a:lumMod val="75000"/>
+                    <a:lumOff val="25000"/>
+                  </a:schemeClr>
+                </a:solidFill>
+                <a:latin typeface="微软雅黑" panose="020B0503020204020204" pitchFamily="34" charset="-122"/>
+                <a:ea typeface="微软雅黑" panose="020B0503020204020204" pitchFamily="34" charset="-122"/>
+              </a:rPr>
+              <a:t>，</a:t>
+            </a:r>
+            <a:r>
+              <a:rPr lang="en-US" altLang="zh-CN" sz="1600" dirty="0" err="1">
+                <a:solidFill>
+                  <a:schemeClr val="tx1">
+                    <a:lumMod val="75000"/>
+                    <a:lumOff val="25000"/>
+                  </a:schemeClr>
+                </a:solidFill>
+                <a:latin typeface="微软雅黑" panose="020B0503020204020204" pitchFamily="34" charset="-122"/>
+                <a:ea typeface="微软雅黑" panose="020B0503020204020204" pitchFamily="34" charset="-122"/>
+              </a:rPr>
+              <a:t>visio</a:t>
+            </a:r>
+            <a:endParaRPr lang="en-US" altLang="zh-CN" sz="1600" dirty="0">
               <a:solidFill>
                 <a:schemeClr val="tx1">
                   <a:lumMod val="75000"/>
@@ -14999,10 +15098,10 @@
       </p:sp>
       <p:pic>
         <p:nvPicPr>
-          <p:cNvPr id="4" name="图片 3">
+          <p:cNvPr id="8" name="图片 7">
             <a:extLst>
               <a:ext uri="{FF2B5EF4-FFF2-40B4-BE49-F238E27FC236}">
-                <a16:creationId xmlns:a16="http://schemas.microsoft.com/office/drawing/2014/main" id="{58D07C0E-3985-092C-7DE2-87992E61F6F9}"/>
+                <a16:creationId xmlns:a16="http://schemas.microsoft.com/office/drawing/2014/main" id="{3EE2AA0C-463C-622E-F0FD-C6FF2CB1C6F0}"/>
               </a:ext>
             </a:extLst>
           </p:cNvPr>
@@ -15019,8 +15118,8 @@
         </p:blipFill>
         <p:spPr>
           <a:xfrm>
-            <a:off x="390525" y="1014894"/>
-            <a:ext cx="4945265" cy="1353962"/>
+            <a:off x="454086" y="2078827"/>
+            <a:ext cx="4622615" cy="2363227"/>
           </a:xfrm>
           <a:prstGeom prst="rect">
             <a:avLst/>
@@ -15032,7 +15131,7 @@
           <p:cNvPr id="6" name="图片 5">
             <a:extLst>
               <a:ext uri="{FF2B5EF4-FFF2-40B4-BE49-F238E27FC236}">
-                <a16:creationId xmlns:a16="http://schemas.microsoft.com/office/drawing/2014/main" id="{B35BE8A5-E1B7-2FC3-B88A-E18032B0CE1E}"/>
+                <a16:creationId xmlns:a16="http://schemas.microsoft.com/office/drawing/2014/main" id="{A093D559-504B-44BA-AD99-73D3BD4EA32F}"/>
               </a:ext>
             </a:extLst>
           </p:cNvPr>
@@ -15049,38 +15148,8 @@
         </p:blipFill>
         <p:spPr>
           <a:xfrm>
-            <a:off x="5995418" y="1014894"/>
-            <a:ext cx="5547398" cy="5345458"/>
-          </a:xfrm>
-          <a:prstGeom prst="rect">
-            <a:avLst/>
-          </a:prstGeom>
-        </p:spPr>
-      </p:pic>
-      <p:pic>
-        <p:nvPicPr>
-          <p:cNvPr id="9" name="图片 8">
-            <a:extLst>
-              <a:ext uri="{FF2B5EF4-FFF2-40B4-BE49-F238E27FC236}">
-                <a16:creationId xmlns:a16="http://schemas.microsoft.com/office/drawing/2014/main" id="{C6310FC6-BE47-51F6-089C-ADC6F4849EA9}"/>
-              </a:ext>
-            </a:extLst>
-          </p:cNvPr>
-          <p:cNvPicPr>
-            <a:picLocks noChangeAspect="1"/>
-          </p:cNvPicPr>
-          <p:nvPr/>
-        </p:nvPicPr>
-        <p:blipFill>
-          <a:blip r:embed="rId5"/>
-          <a:stretch>
-            <a:fillRect/>
-          </a:stretch>
-        </p:blipFill>
-        <p:spPr>
-          <a:xfrm>
-            <a:off x="390525" y="2543327"/>
-            <a:ext cx="4258665" cy="3817025"/>
+            <a:off x="5435600" y="2076645"/>
+            <a:ext cx="6189133" cy="2699515"/>
           </a:xfrm>
           <a:prstGeom prst="rect">
             <a:avLst/>
@@ -15090,16 +15159,215 @@
     </p:spTree>
     <p:extLst>
       <p:ext uri="{BB962C8B-B14F-4D97-AF65-F5344CB8AC3E}">
-        <p14:creationId xmlns:p14="http://schemas.microsoft.com/office/powerpoint/2010/main" val="2394692165"/>
+        <p14:creationId xmlns:p14="http://schemas.microsoft.com/office/powerpoint/2010/main" val="962594101"/>
       </p:ext>
     </p:extLst>
   </p:cSld>
   <p:clrMapOvr>
     <a:masterClrMapping/>
   </p:clrMapOvr>
-  <p:transition spd="slow">
+  <p:transition spd="slow" advClick="0" advTm="0">
     <p:cover/>
   </p:transition>
+  <p:timing>
+    <p:tnLst>
+      <p:par>
+        <p:cTn id="1" dur="indefinite" restart="never" nodeType="tmRoot">
+          <p:childTnLst>
+            <p:seq concurrent="1" nextAc="seek">
+              <p:cTn id="2" dur="indefinite" nodeType="mainSeq">
+                <p:childTnLst>
+                  <p:par>
+                    <p:cTn id="3" fill="hold">
+                      <p:stCondLst>
+                        <p:cond delay="indefinite"/>
+                        <p:cond evt="onBegin" delay="0">
+                          <p:tn val="2"/>
+                        </p:cond>
+                      </p:stCondLst>
+                      <p:childTnLst>
+                        <p:par>
+                          <p:cTn id="4" fill="hold">
+                            <p:stCondLst>
+                              <p:cond delay="0"/>
+                            </p:stCondLst>
+                            <p:childTnLst>
+                              <p:par>
+                                <p:cTn id="5" presetID="41" presetClass="entr" presetSubtype="0" fill="hold" grpId="0" nodeType="afterEffect">
+                                  <p:stCondLst>
+                                    <p:cond delay="0"/>
+                                  </p:stCondLst>
+                                  <p:iterate type="lt">
+                                    <p:tmPct val="10000"/>
+                                  </p:iterate>
+                                  <p:childTnLst>
+                                    <p:set>
+                                      <p:cBhvr>
+                                        <p:cTn id="6" dur="1" fill="hold">
+                                          <p:stCondLst>
+                                            <p:cond delay="0"/>
+                                          </p:stCondLst>
+                                        </p:cTn>
+                                        <p:tgtEl>
+                                          <p:spTgt spid="4"/>
+                                        </p:tgtEl>
+                                        <p:attrNameLst>
+                                          <p:attrName>style.visibility</p:attrName>
+                                        </p:attrNameLst>
+                                      </p:cBhvr>
+                                      <p:to>
+                                        <p:strVal val="visible"/>
+                                      </p:to>
+                                    </p:set>
+                                    <p:anim calcmode="lin" valueType="num">
+                                      <p:cBhvr>
+                                        <p:cTn id="7" dur="500" fill="hold"/>
+                                        <p:tgtEl>
+                                          <p:spTgt spid="4"/>
+                                        </p:tgtEl>
+                                        <p:attrNameLst>
+                                          <p:attrName>ppt_x</p:attrName>
+                                        </p:attrNameLst>
+                                      </p:cBhvr>
+                                      <p:tavLst>
+                                        <p:tav tm="0">
+                                          <p:val>
+                                            <p:strVal val="#ppt_x"/>
+                                          </p:val>
+                                        </p:tav>
+                                        <p:tav tm="50000">
+                                          <p:val>
+                                            <p:strVal val="#ppt_x+.1"/>
+                                          </p:val>
+                                        </p:tav>
+                                        <p:tav tm="100000">
+                                          <p:val>
+                                            <p:strVal val="#ppt_x"/>
+                                          </p:val>
+                                        </p:tav>
+                                      </p:tavLst>
+                                    </p:anim>
+                                    <p:anim calcmode="lin" valueType="num">
+                                      <p:cBhvr>
+                                        <p:cTn id="8" dur="500" fill="hold"/>
+                                        <p:tgtEl>
+                                          <p:spTgt spid="4"/>
+                                        </p:tgtEl>
+                                        <p:attrNameLst>
+                                          <p:attrName>ppt_y</p:attrName>
+                                        </p:attrNameLst>
+                                      </p:cBhvr>
+                                      <p:tavLst>
+                                        <p:tav tm="0">
+                                          <p:val>
+                                            <p:strVal val="#ppt_y"/>
+                                          </p:val>
+                                        </p:tav>
+                                        <p:tav tm="100000">
+                                          <p:val>
+                                            <p:strVal val="#ppt_y"/>
+                                          </p:val>
+                                        </p:tav>
+                                      </p:tavLst>
+                                    </p:anim>
+                                    <p:anim calcmode="lin" valueType="num">
+                                      <p:cBhvr>
+                                        <p:cTn id="9" dur="500" fill="hold"/>
+                                        <p:tgtEl>
+                                          <p:spTgt spid="4"/>
+                                        </p:tgtEl>
+                                        <p:attrNameLst>
+                                          <p:attrName>ppt_h</p:attrName>
+                                        </p:attrNameLst>
+                                      </p:cBhvr>
+                                      <p:tavLst>
+                                        <p:tav tm="0">
+                                          <p:val>
+                                            <p:strVal val="#ppt_h/10"/>
+                                          </p:val>
+                                        </p:tav>
+                                        <p:tav tm="50000">
+                                          <p:val>
+                                            <p:strVal val="#ppt_h+.01"/>
+                                          </p:val>
+                                        </p:tav>
+                                        <p:tav tm="100000">
+                                          <p:val>
+                                            <p:strVal val="#ppt_h"/>
+                                          </p:val>
+                                        </p:tav>
+                                      </p:tavLst>
+                                    </p:anim>
+                                    <p:anim calcmode="lin" valueType="num">
+                                      <p:cBhvr>
+                                        <p:cTn id="10" dur="500" fill="hold"/>
+                                        <p:tgtEl>
+                                          <p:spTgt spid="4"/>
+                                        </p:tgtEl>
+                                        <p:attrNameLst>
+                                          <p:attrName>ppt_w</p:attrName>
+                                        </p:attrNameLst>
+                                      </p:cBhvr>
+                                      <p:tavLst>
+                                        <p:tav tm="0">
+                                          <p:val>
+                                            <p:strVal val="#ppt_w/10"/>
+                                          </p:val>
+                                        </p:tav>
+                                        <p:tav tm="50000">
+                                          <p:val>
+                                            <p:strVal val="#ppt_w+.01"/>
+                                          </p:val>
+                                        </p:tav>
+                                        <p:tav tm="100000">
+                                          <p:val>
+                                            <p:strVal val="#ppt_w"/>
+                                          </p:val>
+                                        </p:tav>
+                                      </p:tavLst>
+                                    </p:anim>
+                                    <p:animEffect transition="in" filter="fade">
+                                      <p:cBhvr>
+                                        <p:cTn id="11" dur="500" tmFilter="0,0; .5, 1; 1, 1"/>
+                                        <p:tgtEl>
+                                          <p:spTgt spid="4"/>
+                                        </p:tgtEl>
+                                      </p:cBhvr>
+                                    </p:animEffect>
+                                  </p:childTnLst>
+                                </p:cTn>
+                              </p:par>
+                            </p:childTnLst>
+                          </p:cTn>
+                        </p:par>
+                      </p:childTnLst>
+                    </p:cTn>
+                  </p:par>
+                </p:childTnLst>
+              </p:cTn>
+              <p:prevCondLst>
+                <p:cond evt="onPrev" delay="0">
+                  <p:tgtEl>
+                    <p:sldTgt/>
+                  </p:tgtEl>
+                </p:cond>
+              </p:prevCondLst>
+              <p:nextCondLst>
+                <p:cond evt="onNext" delay="0">
+                  <p:tgtEl>
+                    <p:sldTgt/>
+                  </p:tgtEl>
+                </p:cond>
+              </p:nextCondLst>
+            </p:seq>
+          </p:childTnLst>
+        </p:cTn>
+      </p:par>
+    </p:tnLst>
+    <p:bldLst>
+      <p:bldP spid="4" grpId="0"/>
+    </p:bldLst>
+  </p:timing>
 </p:sld>
 </file>
 
@@ -16590,6 +16858,238 @@
                 <a:latin typeface="微软雅黑" panose="020B0503020204020204" pitchFamily="34" charset="-122"/>
                 <a:ea typeface="微软雅黑" panose="020B0503020204020204" pitchFamily="34" charset="-122"/>
               </a:rPr>
+              <a:t>测试用例</a:t>
+            </a:r>
+          </a:p>
+        </p:txBody>
+      </p:sp>
+      <p:sp>
+        <p:nvSpPr>
+          <p:cNvPr id="46" name="Title 1">
+            <a:extLst>
+              <a:ext uri="{FF2B5EF4-FFF2-40B4-BE49-F238E27FC236}">
+                <a16:creationId xmlns:a16="http://schemas.microsoft.com/office/drawing/2014/main" id="{3BAC5CBE-B1E4-4666-9256-E5ED001FA416}"/>
+              </a:ext>
+            </a:extLst>
+          </p:cNvPr>
+          <p:cNvSpPr txBox="1"/>
+          <p:nvPr/>
+        </p:nvSpPr>
+        <p:spPr>
+          <a:xfrm>
+            <a:off x="1050153" y="779314"/>
+            <a:ext cx="10091695" cy="1785591"/>
+          </a:xfrm>
+          <a:prstGeom prst="rect">
+            <a:avLst/>
+          </a:prstGeom>
+        </p:spPr>
+        <p:txBody>
+          <a:bodyPr lIns="0" rIns="0" anchor="ctr">
+            <a:noAutofit/>
+          </a:bodyPr>
+          <a:lstStyle>
+            <a:lvl1pPr algn="ctr" defTabSz="914400" rtl="0" eaLnBrk="1" latinLnBrk="0" hangingPunct="1">
+              <a:spcBef>
+                <a:spcPct val="0"/>
+              </a:spcBef>
+              <a:buNone/>
+              <a:defRPr sz="3000" b="0" kern="1200">
+                <a:solidFill>
+                  <a:schemeClr val="accent1"/>
+                </a:solidFill>
+                <a:latin typeface="U.S. 101" pitchFamily="2" charset="0"/>
+                <a:ea typeface="Roboto" pitchFamily="2" charset="0"/>
+                <a:cs typeface="Open Sans Light" panose="020B0306030504020204" pitchFamily="34" charset="0"/>
+              </a:defRPr>
+            </a:lvl1pPr>
+          </a:lstStyle>
+          <a:p>
+            <a:pPr algn="l">
+              <a:lnSpc>
+                <a:spcPct val="150000"/>
+              </a:lnSpc>
+            </a:pPr>
+            <a:endParaRPr lang="en-GB" altLang="zh-CN" sz="2400" dirty="0">
+              <a:solidFill>
+                <a:schemeClr val="tx1">
+                  <a:lumMod val="75000"/>
+                  <a:lumOff val="25000"/>
+                </a:schemeClr>
+              </a:solidFill>
+              <a:latin typeface="微软雅黑" panose="020B0503020204020204" pitchFamily="34" charset="-122"/>
+              <a:ea typeface="微软雅黑" panose="020B0503020204020204" pitchFamily="34" charset="-122"/>
+            </a:endParaRPr>
+          </a:p>
+        </p:txBody>
+      </p:sp>
+      <p:pic>
+        <p:nvPicPr>
+          <p:cNvPr id="4" name="图片 3">
+            <a:extLst>
+              <a:ext uri="{FF2B5EF4-FFF2-40B4-BE49-F238E27FC236}">
+                <a16:creationId xmlns:a16="http://schemas.microsoft.com/office/drawing/2014/main" id="{58D07C0E-3985-092C-7DE2-87992E61F6F9}"/>
+              </a:ext>
+            </a:extLst>
+          </p:cNvPr>
+          <p:cNvPicPr>
+            <a:picLocks noChangeAspect="1"/>
+          </p:cNvPicPr>
+          <p:nvPr/>
+        </p:nvPicPr>
+        <p:blipFill>
+          <a:blip r:embed="rId3"/>
+          <a:stretch>
+            <a:fillRect/>
+          </a:stretch>
+        </p:blipFill>
+        <p:spPr>
+          <a:xfrm>
+            <a:off x="390525" y="1014894"/>
+            <a:ext cx="4945265" cy="1353962"/>
+          </a:xfrm>
+          <a:prstGeom prst="rect">
+            <a:avLst/>
+          </a:prstGeom>
+        </p:spPr>
+      </p:pic>
+      <p:pic>
+        <p:nvPicPr>
+          <p:cNvPr id="6" name="图片 5">
+            <a:extLst>
+              <a:ext uri="{FF2B5EF4-FFF2-40B4-BE49-F238E27FC236}">
+                <a16:creationId xmlns:a16="http://schemas.microsoft.com/office/drawing/2014/main" id="{B35BE8A5-E1B7-2FC3-B88A-E18032B0CE1E}"/>
+              </a:ext>
+            </a:extLst>
+          </p:cNvPr>
+          <p:cNvPicPr>
+            <a:picLocks noChangeAspect="1"/>
+          </p:cNvPicPr>
+          <p:nvPr/>
+        </p:nvPicPr>
+        <p:blipFill>
+          <a:blip r:embed="rId4"/>
+          <a:stretch>
+            <a:fillRect/>
+          </a:stretch>
+        </p:blipFill>
+        <p:spPr>
+          <a:xfrm>
+            <a:off x="5995418" y="1014894"/>
+            <a:ext cx="5547398" cy="5345458"/>
+          </a:xfrm>
+          <a:prstGeom prst="rect">
+            <a:avLst/>
+          </a:prstGeom>
+        </p:spPr>
+      </p:pic>
+      <p:pic>
+        <p:nvPicPr>
+          <p:cNvPr id="9" name="图片 8">
+            <a:extLst>
+              <a:ext uri="{FF2B5EF4-FFF2-40B4-BE49-F238E27FC236}">
+                <a16:creationId xmlns:a16="http://schemas.microsoft.com/office/drawing/2014/main" id="{C6310FC6-BE47-51F6-089C-ADC6F4849EA9}"/>
+              </a:ext>
+            </a:extLst>
+          </p:cNvPr>
+          <p:cNvPicPr>
+            <a:picLocks noChangeAspect="1"/>
+          </p:cNvPicPr>
+          <p:nvPr/>
+        </p:nvPicPr>
+        <p:blipFill>
+          <a:blip r:embed="rId5"/>
+          <a:stretch>
+            <a:fillRect/>
+          </a:stretch>
+        </p:blipFill>
+        <p:spPr>
+          <a:xfrm>
+            <a:off x="390525" y="2543327"/>
+            <a:ext cx="4258665" cy="3817025"/>
+          </a:xfrm>
+          <a:prstGeom prst="rect">
+            <a:avLst/>
+          </a:prstGeom>
+        </p:spPr>
+      </p:pic>
+    </p:spTree>
+    <p:extLst>
+      <p:ext uri="{BB962C8B-B14F-4D97-AF65-F5344CB8AC3E}">
+        <p14:creationId xmlns:p14="http://schemas.microsoft.com/office/powerpoint/2010/main" val="2394692165"/>
+      </p:ext>
+    </p:extLst>
+  </p:cSld>
+  <p:clrMapOvr>
+    <a:masterClrMapping/>
+  </p:clrMapOvr>
+  <p:transition spd="slow">
+    <p:cover/>
+  </p:transition>
+</p:sld>
+</file>
+
+<file path=ppt/slides/slide21.xml><?xml version="1.0" encoding="utf-8"?>
+<p:sld xmlns:a="http://schemas.openxmlformats.org/drawingml/2006/main" xmlns:r="http://schemas.openxmlformats.org/officeDocument/2006/relationships" xmlns:p="http://schemas.openxmlformats.org/presentationml/2006/main">
+  <p:cSld>
+    <p:spTree>
+      <p:nvGrpSpPr>
+        <p:cNvPr id="1" name=""/>
+        <p:cNvGrpSpPr/>
+        <p:nvPr/>
+      </p:nvGrpSpPr>
+      <p:grpSpPr>
+        <a:xfrm>
+          <a:off x="0" y="0"/>
+          <a:ext cx="0" cy="0"/>
+          <a:chOff x="0" y="0"/>
+          <a:chExt cx="0" cy="0"/>
+        </a:xfrm>
+      </p:grpSpPr>
+      <p:sp>
+        <p:nvSpPr>
+          <p:cNvPr id="31" name="Title 1"/>
+          <p:cNvSpPr txBox="1"/>
+          <p:nvPr/>
+        </p:nvSpPr>
+        <p:spPr>
+          <a:xfrm>
+            <a:off x="902557" y="261256"/>
+            <a:ext cx="1641049" cy="505969"/>
+          </a:xfrm>
+          <a:prstGeom prst="rect">
+            <a:avLst/>
+          </a:prstGeom>
+        </p:spPr>
+        <p:txBody>
+          <a:bodyPr lIns="0" rIns="0" anchor="ctr">
+            <a:noAutofit/>
+          </a:bodyPr>
+          <a:lstStyle>
+            <a:lvl1pPr algn="ctr" defTabSz="914400" rtl="0" eaLnBrk="1" latinLnBrk="0" hangingPunct="1">
+              <a:spcBef>
+                <a:spcPct val="0"/>
+              </a:spcBef>
+              <a:buNone/>
+              <a:defRPr sz="3000" b="0" kern="1200">
+                <a:solidFill>
+                  <a:schemeClr val="accent1"/>
+                </a:solidFill>
+                <a:latin typeface="U.S. 101" pitchFamily="2" charset="0"/>
+                <a:ea typeface="Roboto" pitchFamily="2" charset="0"/>
+                <a:cs typeface="Open Sans Light" panose="020B0306030504020204" pitchFamily="34" charset="0"/>
+              </a:defRPr>
+            </a:lvl1pPr>
+          </a:lstStyle>
+          <a:p>
+            <a:r>
+              <a:rPr lang="zh-CN" altLang="en-US" sz="2400" b="1" dirty="0">
+                <a:solidFill>
+                  <a:schemeClr val="tx2"/>
+                </a:solidFill>
+                <a:latin typeface="微软雅黑" panose="020B0503020204020204" pitchFamily="34" charset="-122"/>
+                <a:ea typeface="微软雅黑" panose="020B0503020204020204" pitchFamily="34" charset="-122"/>
+              </a:rPr>
               <a:t>用户手册</a:t>
             </a:r>
           </a:p>
@@ -16731,7 +17231,7 @@
 </p:sld>
 </file>
 
-<file path=ppt/slides/slide21.xml><?xml version="1.0" encoding="utf-8"?>
+<file path=ppt/slides/slide22.xml><?xml version="1.0" encoding="utf-8"?>
 <p:sld xmlns:a="http://schemas.openxmlformats.org/drawingml/2006/main" xmlns:r="http://schemas.openxmlformats.org/officeDocument/2006/relationships" xmlns:p="http://schemas.openxmlformats.org/presentationml/2006/main">
   <p:cSld>
     <p:spTree>
@@ -18213,7 +18713,7 @@
 </p:sld>
 </file>
 
-<file path=ppt/slides/slide22.xml><?xml version="1.0" encoding="utf-8"?>
+<file path=ppt/slides/slide23.xml><?xml version="1.0" encoding="utf-8"?>
 <p:sld xmlns:a="http://schemas.openxmlformats.org/drawingml/2006/main" xmlns:r="http://schemas.openxmlformats.org/officeDocument/2006/relationships" xmlns:p="http://schemas.openxmlformats.org/presentationml/2006/main">
   <p:cSld>
     <p:spTree>
@@ -18599,7 +19099,7 @@
 </p:sld>
 </file>
 
-<file path=ppt/slides/slide23.xml><?xml version="1.0" encoding="utf-8"?>
+<file path=ppt/slides/slide24.xml><?xml version="1.0" encoding="utf-8"?>
 <p:sld xmlns:a="http://schemas.openxmlformats.org/drawingml/2006/main" xmlns:r="http://schemas.openxmlformats.org/officeDocument/2006/relationships" xmlns:p="http://schemas.openxmlformats.org/presentationml/2006/main">
   <p:cSld>
     <p:spTree>
@@ -20081,7 +20581,7 @@
 </p:sld>
 </file>
 
-<file path=ppt/slides/slide24.xml><?xml version="1.0" encoding="utf-8"?>
+<file path=ppt/slides/slide25.xml><?xml version="1.0" encoding="utf-8"?>
 <p:sld xmlns:a="http://schemas.openxmlformats.org/drawingml/2006/main" xmlns:r="http://schemas.openxmlformats.org/officeDocument/2006/relationships" xmlns:p="http://schemas.openxmlformats.org/presentationml/2006/main">
   <p:cSld>
     <p:spTree>
@@ -21467,7 +21967,7 @@
 </p:sld>
 </file>
 
-<file path=ppt/slides/slide25.xml><?xml version="1.0" encoding="utf-8"?>
+<file path=ppt/slides/slide26.xml><?xml version="1.0" encoding="utf-8"?>
 <p:sld xmlns:a="http://schemas.openxmlformats.org/drawingml/2006/main" xmlns:r="http://schemas.openxmlformats.org/officeDocument/2006/relationships" xmlns:p="http://schemas.openxmlformats.org/presentationml/2006/main">
   <p:cSld>
     <p:spTree>
@@ -22009,7 +22509,7 @@
 </p:sld>
 </file>
 
-<file path=ppt/slides/slide26.xml><?xml version="1.0" encoding="utf-8"?>
+<file path=ppt/slides/slide27.xml><?xml version="1.0" encoding="utf-8"?>
 <p:sld xmlns:a="http://schemas.openxmlformats.org/drawingml/2006/main" xmlns:r="http://schemas.openxmlformats.org/officeDocument/2006/relationships" xmlns:p="http://schemas.openxmlformats.org/presentationml/2006/main">
   <p:cSld>
     <p:spTree>
@@ -27268,10 +27768,10 @@
       </p:sp>
       <p:pic>
         <p:nvPicPr>
-          <p:cNvPr id="6" name="图片 5">
+          <p:cNvPr id="7" name="图片 6">
             <a:extLst>
               <a:ext uri="{FF2B5EF4-FFF2-40B4-BE49-F238E27FC236}">
-                <a16:creationId xmlns:a16="http://schemas.microsoft.com/office/drawing/2014/main" id="{3F66E928-A73A-4C0E-A364-7A684ECE34C7}"/>
+                <a16:creationId xmlns:a16="http://schemas.microsoft.com/office/drawing/2014/main" id="{1D40E296-E584-45BA-919E-F371FF87A20C}"/>
               </a:ext>
             </a:extLst>
           </p:cNvPr>
@@ -27288,8 +27788,8 @@
         </p:blipFill>
         <p:spPr>
           <a:xfrm>
-            <a:off x="723229" y="966393"/>
-            <a:ext cx="5534682" cy="3996358"/>
+            <a:off x="1143840" y="1026501"/>
+            <a:ext cx="5239486" cy="4094139"/>
           </a:xfrm>
           <a:prstGeom prst="rect">
             <a:avLst/>
@@ -30026,7 +30526,7 @@
           <p:nvPr>
             <p:extLst>
               <p:ext uri="{D42A27DB-BD31-4B8C-83A1-F6EECF244321}">
-                <p14:modId xmlns:p14="http://schemas.microsoft.com/office/powerpoint/2010/main" val="1964579724"/>
+                <p14:modId xmlns:p14="http://schemas.microsoft.com/office/powerpoint/2010/main" val="573278594"/>
               </p:ext>
             </p:extLst>
           </p:nvPr>
@@ -30557,7 +31057,23 @@
                           <a:latin typeface="微软雅黑" panose="020B0503020204020204" pitchFamily="34" charset="-122"/>
                           <a:ea typeface="微软雅黑" panose="020B0503020204020204" pitchFamily="34" charset="-122"/>
                         </a:rPr>
-                        <a:t>拥有项目管理员部分开发与运维经验。</a:t>
+                        <a:t>拥有</a:t>
+                      </a:r>
+                      <a:r>
+                        <a:rPr lang="zh-CN" altLang="en-US" sz="1400" kern="100" dirty="0">
+                          <a:effectLst/>
+                          <a:latin typeface="微软雅黑" panose="020B0503020204020204" pitchFamily="34" charset="-122"/>
+                          <a:ea typeface="微软雅黑" panose="020B0503020204020204" pitchFamily="34" charset="-122"/>
+                        </a:rPr>
+                        <a:t>丰富的</a:t>
+                      </a:r>
+                      <a:r>
+                        <a:rPr lang="zh-CN" sz="1400" kern="100" dirty="0">
+                          <a:effectLst/>
+                          <a:latin typeface="微软雅黑" panose="020B0503020204020204" pitchFamily="34" charset="-122"/>
+                          <a:ea typeface="微软雅黑" panose="020B0503020204020204" pitchFamily="34" charset="-122"/>
+                        </a:rPr>
+                        <a:t>项目管理员部分开发与运维经验。</a:t>
                       </a:r>
                     </a:p>
                   </a:txBody>
